--- a/Lego-Analysis ppt.pptx
+++ b/Lego-Analysis ppt.pptx
@@ -154,15 +154,15 @@
 <file path=ppt/revisionInfo.xml><?xml version="1.0" encoding="utf-8"?>
 <p1510:revInfo xmlns:a="http://schemas.openxmlformats.org/drawingml/2006/main" xmlns:r="http://schemas.openxmlformats.org/officeDocument/2006/relationships" xmlns:p1510="http://schemas.microsoft.com/office/powerpoint/2015/10/main">
   <p1510:revLst>
-    <p1510:client id="{10BC6302-5FD3-C2B5-7185-A46CF67ACC5F}" v="9" dt="2025-12-10T00:43:14.911"/>
     <p1510:client id="{3AA0672B-3AB7-8734-F6CF-6B2B3F730CF8}" v="2" dt="2025-12-10T05:30:29.622"/>
     <p1510:client id="{4C5EE925-BE85-484D-3019-605CCFCD2CA7}" v="101" dt="2025-12-10T20:43:03.957"/>
     <p1510:client id="{5CD615B2-D1F0-73A0-7C47-AB319E4744B3}" v="590" dt="2025-12-10T05:42:35.539"/>
     <p1510:client id="{6881A0D4-CB36-FD58-2269-7B595152DB87}" v="65" dt="2025-12-10T21:04:52.903"/>
-    <p1510:client id="{97D4A96F-E29D-40F9-A092-37269F191D63}" v="566" dt="2025-12-11T01:03:38.834"/>
+    <p1510:client id="{97D4A96F-E29D-40F9-A092-37269F191D63}" v="567" dt="2025-12-11T02:08:43.491"/>
     <p1510:client id="{ABB81668-96A0-CEF2-A89C-7862FD68F237}" v="418" dt="2025-12-10T02:34:24.091"/>
     <p1510:client id="{B131064C-EB01-BB07-0D48-AA3969BABF4E}" v="210" dt="2025-12-11T00:58:10.043"/>
     <p1510:client id="{BBDB35FE-5960-446B-A0C7-2C2BDE68649D}" v="214" dt="2025-12-10T06:06:04.456"/>
+    <p1510:client id="{CE21AC1A-40B6-EBA7-5FCC-6F24E81D8CCA}" v="12" dt="2025-12-11T01:20:12.110"/>
   </p1510:revLst>
 </p1510:revInfo>
 </file>
@@ -17083,20 +17083,28 @@
             <p:ph type="ctrTitle"/>
           </p:nvPr>
         </p:nvSpPr>
-        <p:spPr/>
+        <p:spPr>
+          <a:xfrm>
+            <a:off x="50264" y="2176272"/>
+            <a:ext cx="12164107" cy="1481328"/>
+          </a:xfrm>
+        </p:spPr>
         <p:txBody>
           <a:bodyPr/>
           <a:lstStyle/>
           <a:p>
             <a:r>
-              <a:rPr lang="en-US"/>
-              <a:t>Lego-Analysis</a:t>
+              <a:rPr lang="en-US" dirty="0">
+                <a:ea typeface="+mj-lt"/>
+                <a:cs typeface="+mj-lt"/>
+              </a:rPr>
+              <a:t>LEGO Pricing &amp; Value Analysis</a:t>
             </a:r>
             <a:br>
-              <a:rPr lang="en-US"/>
+              <a:rPr lang="en-US" dirty="0"/>
             </a:br>
             <a:r>
-              <a:rPr lang="en-US"/>
+              <a:rPr lang="en-US" dirty="0"/>
               <a:t>DATA 3350 Group 2</a:t>
             </a:r>
           </a:p>
@@ -26063,31 +26071,6 @@
       </p:sp>
       <p:sp>
         <p:nvSpPr>
-          <p:cNvPr id="3" name="Footer Placeholder 2">
-            <a:extLst>
-              <a:ext uri="{FF2B5EF4-FFF2-40B4-BE49-F238E27FC236}">
-                <a16:creationId xmlns:a16="http://schemas.microsoft.com/office/drawing/2014/main" id="{723252A1-51AE-36E1-CE3B-D88466BA8814}"/>
-              </a:ext>
-            </a:extLst>
-          </p:cNvPr>
-          <p:cNvSpPr>
-            <a:spLocks noGrp="1"/>
-          </p:cNvSpPr>
-          <p:nvPr>
-            <p:ph type="ftr" sz="quarter" idx="10"/>
-          </p:nvPr>
-        </p:nvSpPr>
-        <p:spPr/>
-        <p:txBody>
-          <a:bodyPr/>
-          <a:lstStyle/>
-          <a:p>
-            <a:endParaRPr lang="en-US"/>
-          </a:p>
-        </p:txBody>
-      </p:sp>
-      <p:sp>
-        <p:nvSpPr>
           <p:cNvPr id="7" name="Content Placeholder 6">
             <a:extLst>
               <a:ext uri="{FF2B5EF4-FFF2-40B4-BE49-F238E27FC236}">
@@ -26315,31 +26298,6 @@
       </p:sp>
       <p:sp>
         <p:nvSpPr>
-          <p:cNvPr id="3" name="Footer Placeholder 2">
-            <a:extLst>
-              <a:ext uri="{FF2B5EF4-FFF2-40B4-BE49-F238E27FC236}">
-                <a16:creationId xmlns:a16="http://schemas.microsoft.com/office/drawing/2014/main" id="{D534491D-AF3A-C879-49E6-F11A17AC3008}"/>
-              </a:ext>
-            </a:extLst>
-          </p:cNvPr>
-          <p:cNvSpPr>
-            <a:spLocks noGrp="1"/>
-          </p:cNvSpPr>
-          <p:nvPr>
-            <p:ph type="ftr" sz="quarter" idx="10"/>
-          </p:nvPr>
-        </p:nvSpPr>
-        <p:spPr/>
-        <p:txBody>
-          <a:bodyPr/>
-          <a:lstStyle/>
-          <a:p>
-            <a:endParaRPr lang="en-US"/>
-          </a:p>
-        </p:txBody>
-      </p:sp>
-      <p:sp>
-        <p:nvSpPr>
           <p:cNvPr id="7" name="Content Placeholder 6">
             <a:extLst>
               <a:ext uri="{FF2B5EF4-FFF2-40B4-BE49-F238E27FC236}">
@@ -26773,36 +26731,6 @@
               <a:buChar char="q"/>
             </a:pPr>
             <a:endParaRPr lang="en-US" sz="1800"/>
-          </a:p>
-        </p:txBody>
-      </p:sp>
-      <p:sp>
-        <p:nvSpPr>
-          <p:cNvPr id="22" name="Footer Placeholder 4">
-            <a:extLst>
-              <a:ext uri="{FF2B5EF4-FFF2-40B4-BE49-F238E27FC236}">
-                <a16:creationId xmlns:a16="http://schemas.microsoft.com/office/drawing/2014/main" id="{653D57D9-6273-C4DB-17F0-63A713AEF757}"/>
-              </a:ext>
-            </a:extLst>
-          </p:cNvPr>
-          <p:cNvSpPr>
-            <a:spLocks noGrp="1"/>
-          </p:cNvSpPr>
-          <p:nvPr>
-            <p:ph type="ftr" sz="quarter" idx="11"/>
-          </p:nvPr>
-        </p:nvSpPr>
-        <p:spPr>
-          <a:xfrm>
-            <a:off x="466344" y="6190488"/>
-            <a:ext cx="2331720" cy="274320"/>
-          </a:xfrm>
-        </p:spPr>
-        <p:txBody>
-          <a:bodyPr/>
-          <a:lstStyle/>
-          <a:p>
-            <a:endParaRPr lang="en-US"/>
           </a:p>
         </p:txBody>
       </p:sp>
@@ -27777,6 +27705,15 @@
 </file>
 
 <file path=customXml/item1.xml><?xml version="1.0" encoding="utf-8"?>
+<?mso-contentType ?>
+<FormTemplates xmlns="http://schemas.microsoft.com/sharepoint/v3/contenttype/forms">
+  <Display>DocumentLibraryForm</Display>
+  <Edit>DocumentLibraryForm</Edit>
+  <New>DocumentLibraryForm</New>
+</FormTemplates>
+</file>
+
+<file path=customXml/item2.xml><?xml version="1.0" encoding="utf-8"?>
 <p:properties xmlns:p="http://schemas.microsoft.com/office/2006/metadata/properties" xmlns:xsi="http://www.w3.org/2001/XMLSchema-instance" xmlns:pc="http://schemas.microsoft.com/office/infopath/2007/PartnerControls">
   <documentManagement>
     <_ip_UnifiedCompliancePolicyUIAction xmlns="http://schemas.microsoft.com/sharepoint/v3" xsi:nil="true"/>
@@ -27794,15 +27731,6 @@
     <MediaServiceKeyPoints xmlns="71af3243-3dd4-4a8d-8c0d-dd76da1f02a5" xsi:nil="true"/>
   </documentManagement>
 </p:properties>
-</file>
-
-<file path=customXml/item2.xml><?xml version="1.0" encoding="utf-8"?>
-<?mso-contentType ?>
-<FormTemplates xmlns="http://schemas.microsoft.com/sharepoint/v3/contenttype/forms">
-  <Display>DocumentLibraryForm</Display>
-  <Edit>DocumentLibraryForm</Edit>
-  <New>DocumentLibraryForm</New>
-</FormTemplates>
 </file>
 
 <file path=customXml/item3.xml><?xml version="1.0" encoding="utf-8"?>
@@ -28100,28 +28028,28 @@
 </file>
 
 <file path=customXml/itemProps1.xml><?xml version="1.0" encoding="utf-8"?>
-<ds:datastoreItem xmlns:ds="http://schemas.openxmlformats.org/officeDocument/2006/customXml" ds:itemID="{F8B8ECF1-2A9D-464C-AFE8-2B3295D0BF97}">
+<ds:datastoreItem xmlns:ds="http://schemas.openxmlformats.org/officeDocument/2006/customXml" ds:itemID="{4F1F1912-3146-44AF-A389-9E8B77BB3688}">
   <ds:schemaRefs>
-    <ds:schemaRef ds:uri="http://purl.org/dc/elements/1.1/"/>
-    <ds:schemaRef ds:uri="http://purl.org/dc/terms/"/>
-    <ds:schemaRef ds:uri="http://schemas.microsoft.com/office/infopath/2007/PartnerControls"/>
-    <ds:schemaRef ds:uri="71af3243-3dd4-4a8d-8c0d-dd76da1f02a5"/>
-    <ds:schemaRef ds:uri="http://schemas.openxmlformats.org/package/2006/metadata/core-properties"/>
-    <ds:schemaRef ds:uri="http://schemas.microsoft.com/office/2006/documentManagement/types"/>
-    <ds:schemaRef ds:uri="http://www.w3.org/XML/1998/namespace"/>
-    <ds:schemaRef ds:uri="16c05727-aa75-4e4a-9b5f-8a80a1165891"/>
-    <ds:schemaRef ds:uri="230e9df3-be65-4c73-a93b-d1236ebd677e"/>
-    <ds:schemaRef ds:uri="http://schemas.microsoft.com/sharepoint/v3"/>
-    <ds:schemaRef ds:uri="http://schemas.microsoft.com/office/2006/metadata/properties"/>
-    <ds:schemaRef ds:uri="http://purl.org/dc/dcmitype/"/>
+    <ds:schemaRef ds:uri="http://schemas.microsoft.com/sharepoint/v3/contenttype/forms"/>
   </ds:schemaRefs>
 </ds:datastoreItem>
 </file>
 
 <file path=customXml/itemProps2.xml><?xml version="1.0" encoding="utf-8"?>
-<ds:datastoreItem xmlns:ds="http://schemas.openxmlformats.org/officeDocument/2006/customXml" ds:itemID="{4F1F1912-3146-44AF-A389-9E8B77BB3688}">
+<ds:datastoreItem xmlns:ds="http://schemas.openxmlformats.org/officeDocument/2006/customXml" ds:itemID="{F8B8ECF1-2A9D-464C-AFE8-2B3295D0BF97}">
   <ds:schemaRefs>
-    <ds:schemaRef ds:uri="http://schemas.microsoft.com/sharepoint/v3/contenttype/forms"/>
+    <ds:schemaRef ds:uri="71af3243-3dd4-4a8d-8c0d-dd76da1f02a5"/>
+    <ds:schemaRef ds:uri="http://purl.org/dc/elements/1.1/"/>
+    <ds:schemaRef ds:uri="http://schemas.microsoft.com/sharepoint/v3"/>
+    <ds:schemaRef ds:uri="230e9df3-be65-4c73-a93b-d1236ebd677e"/>
+    <ds:schemaRef ds:uri="http://schemas.microsoft.com/office/2006/documentManagement/types"/>
+    <ds:schemaRef ds:uri="16c05727-aa75-4e4a-9b5f-8a80a1165891"/>
+    <ds:schemaRef ds:uri="http://purl.org/dc/dcmitype/"/>
+    <ds:schemaRef ds:uri="http://schemas.microsoft.com/office/infopath/2007/PartnerControls"/>
+    <ds:schemaRef ds:uri="http://purl.org/dc/terms/"/>
+    <ds:schemaRef ds:uri="http://schemas.openxmlformats.org/package/2006/metadata/core-properties"/>
+    <ds:schemaRef ds:uri="http://schemas.microsoft.com/office/2006/metadata/properties"/>
+    <ds:schemaRef ds:uri="http://www.w3.org/XML/1998/namespace"/>
   </ds:schemaRefs>
 </ds:datastoreItem>
 </file>
